--- a/documents/Pitch.pptx
+++ b/documents/Pitch.pptx
@@ -254,7 +254,7 @@
       <p15:sldGuideLst xmlns:p15="http://schemas.microsoft.com/office/powerpoint/2012/main"/>
     </p:ext>
     <p:ext uri="http://customooxmlschemas.google.com/">
-      <go:slidesCustomData xmlns="" xmlns:mc="http://schemas.openxmlformats.org/markup-compatibility/2006" xmlns:mv="urn:schemas-microsoft-com:mac:vml" xmlns:c="http://schemas.openxmlformats.org/drawingml/2006/chart" xmlns:dgm="http://schemas.openxmlformats.org/drawingml/2006/diagram" xmlns:o="urn:schemas-microsoft-com:office:office" xmlns:v="urn:schemas-microsoft-com:vml" xmlns:pvml="urn:schemas-microsoft-com:office:powerpoint" xmlns:com="http://schemas.openxmlformats.org/drawingml/2006/compatibility" xmlns:p14="http://schemas.microsoft.com/office/powerpoint/2010/main" xmlns:p15="http://schemas.microsoft.com/office/powerpoint/2012/main" xmlns:ahyp="http://schemas.microsoft.com/office/drawing/2018/hyperlinkcolor" xmlns:go="http://customooxmlschemas.google.com/" r:id="rId43" roundtripDataSignature="AMtx7mj9REqSgL3TTfw3FZLQsWmh7wI/dw=="/>
+      <go:slidesCustomData xmlns:go="http://customooxmlschemas.google.com/" xmlns:ahyp="http://schemas.microsoft.com/office/drawing/2018/hyperlinkcolor" xmlns:p15="http://schemas.microsoft.com/office/powerpoint/2012/main" xmlns:p14="http://schemas.microsoft.com/office/powerpoint/2010/main" xmlns:com="http://schemas.openxmlformats.org/drawingml/2006/compatibility" xmlns:pvml="urn:schemas-microsoft-com:office:powerpoint" xmlns:v="urn:schemas-microsoft-com:vml" xmlns:o="urn:schemas-microsoft-com:office:office" xmlns:dgm="http://schemas.openxmlformats.org/drawingml/2006/diagram" xmlns:c="http://schemas.openxmlformats.org/drawingml/2006/chart" xmlns:mv="urn:schemas-microsoft-com:mac:vml" xmlns:mc="http://schemas.openxmlformats.org/markup-compatibility/2006" xmlns="" r:id="rId43" roundtripDataSignature="AMtx7mj9REqSgL3TTfw3FZLQsWmh7wI/dw=="/>
     </p:ext>
   </p:extLst>
 </p:presentation>
@@ -17897,7 +17897,7 @@
         <p14:flythrough dir="out"/>
       </p:transition>
     </mc:Choice>
-    <mc:Fallback xmlns="" xmlns:mv="urn:schemas-microsoft-com:mac:vml" xmlns:c="http://schemas.openxmlformats.org/drawingml/2006/chart" xmlns:dgm="http://schemas.openxmlformats.org/drawingml/2006/diagram" xmlns:o="urn:schemas-microsoft-com:office:office" xmlns:v="urn:schemas-microsoft-com:vml" xmlns:pvml="urn:schemas-microsoft-com:office:powerpoint" xmlns:com="http://schemas.openxmlformats.org/drawingml/2006/compatibility" xmlns:p15="http://schemas.microsoft.com/office/powerpoint/2012/main" xmlns:ahyp="http://schemas.microsoft.com/office/drawing/2018/hyperlinkcolor">
+    <mc:Fallback xmlns:ahyp="http://schemas.microsoft.com/office/drawing/2018/hyperlinkcolor" xmlns:p15="http://schemas.microsoft.com/office/powerpoint/2012/main" xmlns:com="http://schemas.openxmlformats.org/drawingml/2006/compatibility" xmlns:pvml="urn:schemas-microsoft-com:office:powerpoint" xmlns:v="urn:schemas-microsoft-com:vml" xmlns:o="urn:schemas-microsoft-com:office:office" xmlns:dgm="http://schemas.openxmlformats.org/drawingml/2006/diagram" xmlns:c="http://schemas.openxmlformats.org/drawingml/2006/chart" xmlns:mv="urn:schemas-microsoft-com:mac:vml" xmlns="">
       <p:transition spd="med">
         <p:fade/>
       </p:transition>
@@ -18667,7 +18667,7 @@
         <p14:window dir="vert"/>
       </p:transition>
     </mc:Choice>
-    <mc:Fallback xmlns="" xmlns:mv="urn:schemas-microsoft-com:mac:vml" xmlns:c="http://schemas.openxmlformats.org/drawingml/2006/chart" xmlns:dgm="http://schemas.openxmlformats.org/drawingml/2006/diagram" xmlns:o="urn:schemas-microsoft-com:office:office" xmlns:v="urn:schemas-microsoft-com:vml" xmlns:pvml="urn:schemas-microsoft-com:office:powerpoint" xmlns:com="http://schemas.openxmlformats.org/drawingml/2006/compatibility" xmlns:p15="http://schemas.microsoft.com/office/powerpoint/2012/main" xmlns:ahyp="http://schemas.microsoft.com/office/drawing/2018/hyperlinkcolor">
+    <mc:Fallback xmlns:ahyp="http://schemas.microsoft.com/office/drawing/2018/hyperlinkcolor" xmlns:p15="http://schemas.microsoft.com/office/powerpoint/2012/main" xmlns:com="http://schemas.openxmlformats.org/drawingml/2006/compatibility" xmlns:pvml="urn:schemas-microsoft-com:office:powerpoint" xmlns:v="urn:schemas-microsoft-com:vml" xmlns:o="urn:schemas-microsoft-com:office:office" xmlns:dgm="http://schemas.openxmlformats.org/drawingml/2006/diagram" xmlns:c="http://schemas.openxmlformats.org/drawingml/2006/chart" xmlns:mv="urn:schemas-microsoft-com:mac:vml" xmlns="">
       <p:transition spd="med">
         <p:fade/>
       </p:transition>
@@ -19193,7 +19193,7 @@
                 <a:latin typeface="Trebuchet MS" panose="020B0603020202020204" pitchFamily="34" charset="0"/>
                 <a:sym typeface="Arial"/>
               </a:rPr>
-              <a:t>A fim de ajudar colaboradores a terem mais consciência e responsabilidade sobre dados e sistemas das organizações, muitas organizações adotaram o treinamento por meio de campanhas de </a:t>
+              <a:t>A fim de ajudar colaboradores a terem mais consciência e responsabilidade sobre dados e sistemas das organizações, muitas empresas adotaram o treinamento por meio de campanhas de </a:t>
             </a:r>
             <a:r>
               <a:rPr lang="pt-BR" sz="1400" b="0" i="1" u="none" strike="noStrike" cap="none" dirty="0" err="1">
@@ -19322,7 +19322,7 @@
               <a:rPr lang="pt-BR" dirty="0">
                 <a:latin typeface="Trebuchet MS" panose="020B0603020202020204" pitchFamily="34" charset="0"/>
               </a:rPr>
-              <a:t>Assim sendo, este projeto aplicado procurou a inovação através do embasamento teórico na corrente psicológica chamada behaviorismo para criar uma política e um sistema de gerenciamento de campanhas de </a:t>
+              <a:t>Assim sendo, este projeto aplicado procurou a inovação através do embasamento teórico na corrente psicológica conhecida como behaviorismo para criar uma política e um sistema de gerenciamento de campanhas de </a:t>
             </a:r>
             <a:r>
               <a:rPr lang="pt-BR" i="1" dirty="0" err="1">
@@ -19507,6 +19507,114 @@
           </a:p>
         </p:txBody>
       </p:sp>
+      <p:sp>
+        <p:nvSpPr>
+          <p:cNvPr id="3" name="Google Shape;154;p19">
+            <a:extLst>
+              <a:ext uri="{FF2B5EF4-FFF2-40B4-BE49-F238E27FC236}">
+                <a16:creationId xmlns:a16="http://schemas.microsoft.com/office/drawing/2014/main" id="{0915F92A-BBA9-A191-2BEB-CECEC81E350F}"/>
+              </a:ext>
+            </a:extLst>
+          </p:cNvPr>
+          <p:cNvSpPr txBox="1"/>
+          <p:nvPr/>
+        </p:nvSpPr>
+        <p:spPr>
+          <a:xfrm>
+            <a:off x="-10194" y="-410"/>
+            <a:ext cx="2754086" cy="532413"/>
+          </a:xfrm>
+          <a:prstGeom prst="rect">
+            <a:avLst/>
+          </a:prstGeom>
+          <a:noFill/>
+          <a:ln>
+            <a:noFill/>
+          </a:ln>
+        </p:spPr>
+        <p:txBody>
+          <a:bodyPr spcFirstLastPara="1" wrap="square" lIns="91425" tIns="45700" rIns="91425" bIns="45700" anchor="t" anchorCtr="0">
+            <a:spAutoFit/>
+          </a:bodyPr>
+          <a:lstStyle/>
+          <a:p>
+            <a:pPr lvl="0" algn="ctr">
+              <a:lnSpc>
+                <a:spcPct val="130000"/>
+              </a:lnSpc>
+              <a:buSzPts val="3600"/>
+            </a:pPr>
+            <a:r>
+              <a:rPr lang="pt-BR" sz="1200" b="1" i="0" u="none" strike="noStrike" cap="none" dirty="0">
+                <a:solidFill>
+                  <a:srgbClr val="2F3F94"/>
+                </a:solidFill>
+                <a:latin typeface="Trebuchet MS" panose="020B0603020202020204" pitchFamily="34" charset="0"/>
+                <a:sym typeface="Arial"/>
+              </a:rPr>
+              <a:t>S(d/</a:t>
+            </a:r>
+            <a:r>
+              <a:rPr lang="el-GR" sz="1200" b="1" dirty="0">
+                <a:solidFill>
+                  <a:srgbClr val="2F3F94"/>
+                </a:solidFill>
+                <a:latin typeface="Trebuchet MS" panose="020B0603020202020204" pitchFamily="34" charset="0"/>
+              </a:rPr>
+              <a:t>δ</a:t>
+            </a:r>
+            <a:r>
+              <a:rPr lang="pt-BR" sz="1200" b="1" i="0" u="none" strike="noStrike" cap="none" dirty="0">
+                <a:solidFill>
+                  <a:srgbClr val="2F3F94"/>
+                </a:solidFill>
+                <a:latin typeface="Trebuchet MS" panose="020B0603020202020204" pitchFamily="34" charset="0"/>
+                <a:sym typeface="Arial"/>
+              </a:rPr>
+              <a:t>) – R -&gt; C</a:t>
+            </a:r>
+            <a:endParaRPr sz="1200" b="1" i="0" u="none" strike="noStrike" cap="none" dirty="0">
+              <a:solidFill>
+                <a:srgbClr val="2F3F94"/>
+              </a:solidFill>
+              <a:latin typeface="Trebuchet MS" panose="020B0603020202020204" pitchFamily="34" charset="0"/>
+              <a:sym typeface="Arial"/>
+            </a:endParaRPr>
+          </a:p>
+          <a:p>
+            <a:pPr marL="0" marR="0" lvl="0" indent="0" algn="ctr" rtl="0">
+              <a:lnSpc>
+                <a:spcPct val="130000"/>
+              </a:lnSpc>
+              <a:spcBef>
+                <a:spcPts val="0"/>
+              </a:spcBef>
+              <a:spcAft>
+                <a:spcPts val="0"/>
+              </a:spcAft>
+              <a:buClr>
+                <a:srgbClr val="000000"/>
+              </a:buClr>
+              <a:buSzPts val="3600"/>
+              <a:buFont typeface="Arial"/>
+              <a:buNone/>
+            </a:pPr>
+            <a:r>
+              <a:rPr lang="pt-BR" sz="1000" b="1" dirty="0">
+                <a:latin typeface="Trebuchet MS" panose="020B0603020202020204" pitchFamily="34" charset="0"/>
+              </a:rPr>
+              <a:t>E-mail malicioso – clique em link -&gt; dano</a:t>
+            </a:r>
+            <a:endParaRPr sz="1000" b="1" i="0" u="none" strike="noStrike" cap="none" dirty="0">
+              <a:solidFill>
+                <a:srgbClr val="000000"/>
+              </a:solidFill>
+              <a:latin typeface="Trebuchet MS" panose="020B0603020202020204" pitchFamily="34" charset="0"/>
+              <a:sym typeface="Arial"/>
+            </a:endParaRPr>
+          </a:p>
+        </p:txBody>
+      </p:sp>
     </p:spTree>
   </p:cSld>
   <p:clrMapOvr>
@@ -19518,7 +19626,7 @@
         <p14:warp dir="in"/>
       </p:transition>
     </mc:Choice>
-    <mc:Fallback xmlns="" xmlns:mv="urn:schemas-microsoft-com:mac:vml" xmlns:c="http://schemas.openxmlformats.org/drawingml/2006/chart" xmlns:dgm="http://schemas.openxmlformats.org/drawingml/2006/diagram" xmlns:o="urn:schemas-microsoft-com:office:office" xmlns:v="urn:schemas-microsoft-com:vml" xmlns:pvml="urn:schemas-microsoft-com:office:powerpoint" xmlns:com="http://schemas.openxmlformats.org/drawingml/2006/compatibility" xmlns:p15="http://schemas.microsoft.com/office/powerpoint/2012/main" xmlns:ahyp="http://schemas.microsoft.com/office/drawing/2018/hyperlinkcolor">
+    <mc:Fallback xmlns:ahyp="http://schemas.microsoft.com/office/drawing/2018/hyperlinkcolor" xmlns:p15="http://schemas.microsoft.com/office/powerpoint/2012/main" xmlns:com="http://schemas.openxmlformats.org/drawingml/2006/compatibility" xmlns:pvml="urn:schemas-microsoft-com:office:powerpoint" xmlns:v="urn:schemas-microsoft-com:vml" xmlns:o="urn:schemas-microsoft-com:office:office" xmlns:dgm="http://schemas.openxmlformats.org/drawingml/2006/diagram" xmlns:c="http://schemas.openxmlformats.org/drawingml/2006/chart" xmlns:mv="urn:schemas-microsoft-com:mac:vml" xmlns="">
       <p:transition spd="med">
         <p:fade/>
       </p:transition>
@@ -19670,6 +19778,41 @@
                                   </p:childTnLst>
                                 </p:cTn>
                               </p:par>
+                              <p:par>
+                                <p:cTn id="16" presetID="10" presetClass="entr" presetSubtype="0" fill="hold" nodeType="withEffect">
+                                  <p:stCondLst>
+                                    <p:cond delay="0"/>
+                                  </p:stCondLst>
+                                  <p:childTnLst>
+                                    <p:set>
+                                      <p:cBhvr>
+                                        <p:cTn id="17" dur="1" fill="hold">
+                                          <p:stCondLst>
+                                            <p:cond delay="0"/>
+                                          </p:stCondLst>
+                                        </p:cTn>
+                                        <p:tgtEl>
+                                          <p:spTgt spid="3"/>
+                                        </p:tgtEl>
+                                        <p:attrNameLst>
+                                          <p:attrName>style.visibility</p:attrName>
+                                        </p:attrNameLst>
+                                      </p:cBhvr>
+                                      <p:to>
+                                        <p:strVal val="visible"/>
+                                      </p:to>
+                                    </p:set>
+                                    <p:animEffect transition="in" filter="fade">
+                                      <p:cBhvr>
+                                        <p:cTn id="18" dur="500"/>
+                                        <p:tgtEl>
+                                          <p:spTgt spid="3"/>
+                                        </p:tgtEl>
+                                      </p:cBhvr>
+                                    </p:animEffect>
+                                  </p:childTnLst>
+                                </p:cTn>
+                              </p:par>
                             </p:childTnLst>
                           </p:cTn>
                         </p:par>
@@ -19943,7 +20086,7 @@
         <p:spPr>
           <a:xfrm>
             <a:off x="6381671" y="3763608"/>
-            <a:ext cx="3937986" cy="2012818"/>
+            <a:ext cx="3937986" cy="2252884"/>
           </a:xfrm>
           <a:prstGeom prst="rect">
             <a:avLst/>
@@ -19984,7 +20127,7 @@
                 <a:latin typeface="Trebuchet MS" panose="020B0603020202020204" pitchFamily="34" charset="0"/>
                 <a:sym typeface="Arial"/>
               </a:rPr>
-              <a:t>Proposição de uma política com forte base teórica.</a:t>
+              <a:t>* Proposição de uma política com forte base teórica.</a:t>
             </a:r>
           </a:p>
           <a:p>
@@ -20038,7 +20181,7 @@
                 </a:solidFill>
                 <a:latin typeface="Trebuchet MS" panose="020B0603020202020204" pitchFamily="34" charset="0"/>
               </a:rPr>
-              <a:t>Possibilidade de crescimento e especialização da base de categorias ao longo do tempo e experiências adquiridas.</a:t>
+              <a:t>* Possibilidade de crescimento e especialização da base de categorias ao longo do tempo e experiências adquiridas.</a:t>
             </a:r>
           </a:p>
           <a:p>
@@ -20082,7 +20225,7 @@
                 </a:solidFill>
                 <a:latin typeface="Trebuchet MS" panose="020B0603020202020204" pitchFamily="34" charset="0"/>
               </a:rPr>
-              <a:t>Proposta de sistema relativamente simples e acessível de se implantar nas organizações.</a:t>
+              <a:t>* Proposta de sistema relativamente simples e acessível de se implantar nas organizações.</a:t>
             </a:r>
           </a:p>
         </p:txBody>
@@ -21229,7 +21372,7 @@
         <p14:warp dir="in"/>
       </p:transition>
     </mc:Choice>
-    <mc:Fallback xmlns="" xmlns:mv="urn:schemas-microsoft-com:mac:vml" xmlns:c="http://schemas.openxmlformats.org/drawingml/2006/chart" xmlns:dgm="http://schemas.openxmlformats.org/drawingml/2006/diagram" xmlns:o="urn:schemas-microsoft-com:office:office" xmlns:v="urn:schemas-microsoft-com:vml" xmlns:pvml="urn:schemas-microsoft-com:office:powerpoint" xmlns:com="http://schemas.openxmlformats.org/drawingml/2006/compatibility" xmlns:p15="http://schemas.microsoft.com/office/powerpoint/2012/main" xmlns:ahyp="http://schemas.microsoft.com/office/drawing/2018/hyperlinkcolor">
+    <mc:Fallback xmlns:ahyp="http://schemas.microsoft.com/office/drawing/2018/hyperlinkcolor" xmlns:p15="http://schemas.microsoft.com/office/powerpoint/2012/main" xmlns:com="http://schemas.openxmlformats.org/drawingml/2006/compatibility" xmlns:pvml="urn:schemas-microsoft-com:office:powerpoint" xmlns:v="urn:schemas-microsoft-com:vml" xmlns:o="urn:schemas-microsoft-com:office:office" xmlns:dgm="http://schemas.openxmlformats.org/drawingml/2006/diagram" xmlns:c="http://schemas.openxmlformats.org/drawingml/2006/chart" xmlns:mv="urn:schemas-microsoft-com:mac:vml" xmlns="">
       <p:transition spd="med">
         <p:fade/>
       </p:transition>
